--- a/WebLecture/Lecture8-PHP1.pptx
+++ b/WebLecture/Lecture8-PHP1.pptx
@@ -4696,7 +4696,7 @@
             <a:fld id="{8BEFEC64-3B02-48AC-B709-B2823D518D38}" type="datetimeFigureOut">
               <a:rPr lang="zh-CN" altLang="en-US" smtClean="0"/>
               <a:pPr/>
-              <a:t>2021/6/5</a:t>
+              <a:t>2022/1/8</a:t>
             </a:fld>
             <a:endParaRPr lang="zh-CN" altLang="en-US" dirty="0"/>
           </a:p>
@@ -5097,7 +5097,7 @@
           <a:p>
             <a:fld id="{82F288E0-7875-42C4-84C8-98DBBD3BF4D2}" type="datetimeFigureOut">
               <a:rPr lang="zh-CN" altLang="en-US" smtClean="0"/>
-              <a:t>2021/6/5</a:t>
+              <a:t>2022/1/8</a:t>
             </a:fld>
             <a:endParaRPr lang="zh-CN" altLang="en-US"/>
           </a:p>
@@ -5243,7 +5243,7 @@
           <a:p>
             <a:fld id="{82F288E0-7875-42C4-84C8-98DBBD3BF4D2}" type="datetimeFigureOut">
               <a:rPr lang="zh-CN" altLang="en-US" smtClean="0"/>
-              <a:t>2021/6/5</a:t>
+              <a:t>2022/1/8</a:t>
             </a:fld>
             <a:endParaRPr lang="zh-CN" altLang="en-US"/>
           </a:p>
@@ -5406,7 +5406,7 @@
           <a:p>
             <a:fld id="{82F288E0-7875-42C4-84C8-98DBBD3BF4D2}" type="datetimeFigureOut">
               <a:rPr lang="zh-CN" altLang="en-US" smtClean="0"/>
-              <a:t>2021/6/5</a:t>
+              <a:t>2022/1/8</a:t>
             </a:fld>
             <a:endParaRPr lang="zh-CN" altLang="en-US"/>
           </a:p>
@@ -5646,7 +5646,7 @@
           <a:p>
             <a:fld id="{82F288E0-7875-42C4-84C8-98DBBD3BF4D2}" type="datetimeFigureOut">
               <a:rPr lang="zh-CN" altLang="en-US" smtClean="0"/>
-              <a:t>2021/6/5</a:t>
+              <a:t>2022/1/8</a:t>
             </a:fld>
             <a:endParaRPr lang="zh-CN" altLang="en-US"/>
           </a:p>
@@ -5870,7 +5870,7 @@
           <a:p>
             <a:fld id="{82F288E0-7875-42C4-84C8-98DBBD3BF4D2}" type="datetimeFigureOut">
               <a:rPr lang="zh-CN" altLang="en-US" smtClean="0"/>
-              <a:t>2021/6/5</a:t>
+              <a:t>2022/1/8</a:t>
             </a:fld>
             <a:endParaRPr lang="zh-CN" altLang="en-US"/>
           </a:p>
@@ -6229,7 +6229,7 @@
           <a:p>
             <a:fld id="{82F288E0-7875-42C4-84C8-98DBBD3BF4D2}" type="datetimeFigureOut">
               <a:rPr lang="zh-CN" altLang="en-US" smtClean="0"/>
-              <a:t>2021/6/5</a:t>
+              <a:t>2022/1/8</a:t>
             </a:fld>
             <a:endParaRPr lang="zh-CN" altLang="en-US"/>
           </a:p>
@@ -6341,7 +6341,7 @@
           <a:p>
             <a:fld id="{82F288E0-7875-42C4-84C8-98DBBD3BF4D2}" type="datetimeFigureOut">
               <a:rPr lang="zh-CN" altLang="en-US" smtClean="0"/>
-              <a:t>2021/6/5</a:t>
+              <a:t>2022/1/8</a:t>
             </a:fld>
             <a:endParaRPr lang="zh-CN" altLang="en-US"/>
           </a:p>
@@ -6431,7 +6431,7 @@
           <a:p>
             <a:fld id="{82F288E0-7875-42C4-84C8-98DBBD3BF4D2}" type="datetimeFigureOut">
               <a:rPr lang="zh-CN" altLang="en-US" smtClean="0"/>
-              <a:t>2021/6/5</a:t>
+              <a:t>2022/1/8</a:t>
             </a:fld>
             <a:endParaRPr lang="zh-CN" altLang="en-US"/>
           </a:p>
@@ -6678,7 +6678,7 @@
           <a:p>
             <a:fld id="{82F288E0-7875-42C4-84C8-98DBBD3BF4D2}" type="datetimeFigureOut">
               <a:rPr lang="zh-CN" altLang="en-US" smtClean="0"/>
-              <a:t>2021/6/5</a:t>
+              <a:t>2022/1/8</a:t>
             </a:fld>
             <a:endParaRPr lang="zh-CN" altLang="en-US"/>
           </a:p>
@@ -6851,7 +6851,7 @@
           <a:p>
             <a:fld id="{82F288E0-7875-42C4-84C8-98DBBD3BF4D2}" type="datetimeFigureOut">
               <a:rPr lang="zh-CN" altLang="en-US" smtClean="0"/>
-              <a:t>2021/6/5</a:t>
+              <a:t>2022/1/8</a:t>
             </a:fld>
             <a:endParaRPr lang="zh-CN" altLang="en-US"/>
           </a:p>
@@ -7065,7 +7065,7 @@
             <a:fld id="{82F288E0-7875-42C4-84C8-98DBBD3BF4D2}" type="datetimeFigureOut">
               <a:rPr lang="zh-CN" altLang="en-US" smtClean="0"/>
               <a:pPr/>
-              <a:t>2021/6/5</a:t>
+              <a:t>2022/1/8</a:t>
             </a:fld>
             <a:endParaRPr lang="zh-CN" altLang="en-US" dirty="0"/>
           </a:p>
